--- a/Farmernest Portal Presentation.pptx
+++ b/Farmernest Portal Presentation.pptx
@@ -7174,6 +7174,62 @@
               <a:buNone/>
             </a:pPr>
             <a:r>
+              <a:rPr lang="en" sz="1700" u="sng">
+                <a:solidFill>
+                  <a:schemeClr val="hlink"/>
+                </a:solidFill>
+                <a:latin typeface="Poppins SemiBold"/>
+                <a:ea typeface="Poppins SemiBold"/>
+                <a:cs typeface="Poppins SemiBold"/>
+                <a:sym typeface="Poppins SemiBold"/>
+                <a:hlinkClick r:id="rId3"/>
+              </a:rPr>
+              <a:t>https://youtu.be/EK06CkQ7WhQ</a:t>
+            </a:r>
+            <a:endParaRPr sz="1700">
+              <a:solidFill>
+                <a:srgbClr val="FFFFFF"/>
+              </a:solidFill>
+              <a:latin typeface="Poppins SemiBold"/>
+              <a:ea typeface="Poppins SemiBold"/>
+              <a:cs typeface="Poppins SemiBold"/>
+              <a:sym typeface="Poppins SemiBold"/>
+            </a:endParaRPr>
+          </a:p>
+          <a:p>
+            <a:pPr indent="0" lvl="0" marL="0" rtl="0" algn="l">
+              <a:spcBef>
+                <a:spcPts val="0"/>
+              </a:spcBef>
+              <a:spcAft>
+                <a:spcPts val="0"/>
+              </a:spcAft>
+              <a:buNone/>
+            </a:pPr>
+            <a:r>
+              <a:t/>
+            </a:r>
+            <a:endParaRPr sz="1700">
+              <a:solidFill>
+                <a:srgbClr val="FFFFFF"/>
+              </a:solidFill>
+              <a:latin typeface="Poppins SemiBold"/>
+              <a:ea typeface="Poppins SemiBold"/>
+              <a:cs typeface="Poppins SemiBold"/>
+              <a:sym typeface="Poppins SemiBold"/>
+            </a:endParaRPr>
+          </a:p>
+          <a:p>
+            <a:pPr indent="0" lvl="0" marL="0" rtl="0" algn="l">
+              <a:spcBef>
+                <a:spcPts val="0"/>
+              </a:spcBef>
+              <a:spcAft>
+                <a:spcPts val="0"/>
+              </a:spcAft>
+              <a:buNone/>
+            </a:pPr>
+            <a:r>
               <a:rPr lang="en" sz="1700">
                 <a:solidFill>
                   <a:srgbClr val="FFFFFF"/>
@@ -7183,7 +7239,7 @@
                 <a:cs typeface="Poppins SemiBold"/>
                 <a:sym typeface="Poppins SemiBold"/>
               </a:rPr>
-              <a:t>https://youtu.be/EK06CkQ7WhQ</a:t>
+              <a:t>https://youtu.be/sxLHuQbGuPs</a:t>
             </a:r>
             <a:endParaRPr sz="1700">
               <a:solidFill>
@@ -9820,7 +9876,7 @@
         <p:spPr>
           <a:xfrm>
             <a:off x="247050" y="1709150"/>
-            <a:ext cx="7735500" cy="423300"/>
+            <a:ext cx="7735500" cy="798000"/>
           </a:xfrm>
           <a:prstGeom prst="rect">
             <a:avLst/>
@@ -9854,6 +9910,47 @@
               <a:buChar char="●"/>
             </a:pPr>
             <a:r>
+              <a:rPr lang="en" sz="1700" u="sng">
+                <a:solidFill>
+                  <a:schemeClr val="hlink"/>
+                </a:solidFill>
+                <a:latin typeface="Poppins SemiBold"/>
+                <a:ea typeface="Poppins SemiBold"/>
+                <a:cs typeface="Poppins SemiBold"/>
+                <a:sym typeface="Poppins SemiBold"/>
+                <a:hlinkClick r:id="rId3"/>
+              </a:rPr>
+              <a:t>https://youtu.be/EK06CkQ7WhQ</a:t>
+            </a:r>
+            <a:endParaRPr sz="1700">
+              <a:solidFill>
+                <a:schemeClr val="dk1"/>
+              </a:solidFill>
+              <a:latin typeface="Poppins SemiBold"/>
+              <a:ea typeface="Poppins SemiBold"/>
+              <a:cs typeface="Poppins SemiBold"/>
+              <a:sym typeface="Poppins SemiBold"/>
+            </a:endParaRPr>
+          </a:p>
+          <a:p>
+            <a:pPr indent="-336550" lvl="0" marL="457200" rtl="0" algn="l">
+              <a:lnSpc>
+                <a:spcPct val="150000"/>
+              </a:lnSpc>
+              <a:spcBef>
+                <a:spcPts val="0"/>
+              </a:spcBef>
+              <a:spcAft>
+                <a:spcPts val="0"/>
+              </a:spcAft>
+              <a:buClr>
+                <a:schemeClr val="dk1"/>
+              </a:buClr>
+              <a:buSzPts val="1700"/>
+              <a:buFont typeface="Poppins SemiBold"/>
+              <a:buChar char="●"/>
+            </a:pPr>
+            <a:r>
               <a:rPr lang="en" sz="1700">
                 <a:solidFill>
                   <a:schemeClr val="dk1"/>
@@ -9863,7 +9960,7 @@
                 <a:cs typeface="Poppins SemiBold"/>
                 <a:sym typeface="Poppins SemiBold"/>
               </a:rPr>
-              <a:t>https://youtu.be/EK06CkQ7WhQ</a:t>
+              <a:t>https://youtu.be/sxLHuQbGuPs</a:t>
             </a:r>
             <a:endParaRPr sz="1700">
               <a:solidFill>
@@ -9910,7 +10007,7 @@
           <p:nvPr/>
         </p:nvPicPr>
         <p:blipFill>
-          <a:blip r:embed="rId3">
+          <a:blip r:embed="rId4">
             <a:alphaModFix/>
           </a:blip>
           <a:stretch>
